--- a/docs/diagrams/LogicComponentSequenceDiagram.pptx
+++ b/docs/diagrams/LogicComponentSequenceDiagram.pptx
@@ -126,6 +126,10 @@
 </p:presentation>
 </file>
 
+<file path=ppt/revisionInfo.xml><?xml version="1.0" encoding="utf-8"?>
+<p1510:revInfo xmlns:a="http://schemas.openxmlformats.org/drawingml/2006/main" xmlns:r="http://schemas.openxmlformats.org/officeDocument/2006/relationships" xmlns:p1510="http://schemas.microsoft.com/office/powerpoint/2015/10/main"/>
+</file>
+
 <file path=ppt/notesMasters/notesMaster1.xml><?xml version="1.0" encoding="utf-8"?>
 <p:notesMaster xmlns:a="http://schemas.openxmlformats.org/drawingml/2006/main" xmlns:r="http://schemas.openxmlformats.org/officeDocument/2006/relationships" xmlns:p="http://schemas.openxmlformats.org/presentationml/2006/main">
   <p:cSld>
@@ -208,7 +212,7 @@
           <a:p>
             <a:fld id="{F5CC4B3F-88C1-4FFA-B1B6-F41C21DC6924}" type="datetimeFigureOut">
               <a:rPr lang="en-US" smtClean="0"/>
-              <a:t>2/6/2017</a:t>
+              <a:t>7/11/2017</a:t>
             </a:fld>
             <a:endParaRPr lang="en-US"/>
           </a:p>
@@ -272,38 +276,37 @@
           <a:p>
             <a:pPr lvl="0"/>
             <a:r>
-              <a:rPr lang="en-US" smtClean="0"/>
+              <a:rPr lang="en-US"/>
               <a:t>Click to edit Master text styles</a:t>
             </a:r>
           </a:p>
           <a:p>
             <a:pPr lvl="1"/>
             <a:r>
-              <a:rPr lang="en-US" smtClean="0"/>
+              <a:rPr lang="en-US"/>
               <a:t>Second level</a:t>
             </a:r>
           </a:p>
           <a:p>
             <a:pPr lvl="2"/>
             <a:r>
-              <a:rPr lang="en-US" smtClean="0"/>
+              <a:rPr lang="en-US"/>
               <a:t>Third level</a:t>
             </a:r>
           </a:p>
           <a:p>
             <a:pPr lvl="3"/>
             <a:r>
-              <a:rPr lang="en-US" smtClean="0"/>
+              <a:rPr lang="en-US"/>
               <a:t>Fourth level</a:t>
             </a:r>
           </a:p>
           <a:p>
             <a:pPr lvl="4"/>
             <a:r>
-              <a:rPr lang="en-US" smtClean="0"/>
+              <a:rPr lang="en-US"/>
               <a:t>Fifth level</a:t>
             </a:r>
-            <a:endParaRPr lang="en-US"/>
           </a:p>
         </p:txBody>
       </p:sp>
@@ -514,10 +517,9 @@
           <a:lstStyle/>
           <a:p>
             <a:r>
-              <a:rPr lang="en-US" smtClean="0"/>
+              <a:rPr lang="en-US"/>
               <a:t>Click to edit Master title style</a:t>
             </a:r>
-            <a:endParaRPr lang="en-US"/>
           </a:p>
         </p:txBody>
       </p:sp>
@@ -633,10 +635,9 @@
           </a:lstStyle>
           <a:p>
             <a:r>
-              <a:rPr lang="en-US" smtClean="0"/>
+              <a:rPr lang="en-US"/>
               <a:t>Click to edit Master subtitle style</a:t>
             </a:r>
-            <a:endParaRPr lang="en-US"/>
           </a:p>
         </p:txBody>
       </p:sp>
@@ -657,7 +658,7 @@
           <a:p>
             <a:fld id="{78C97017-6FC3-485B-9764-EAC9E56C1D49}" type="datetimeFigureOut">
               <a:rPr lang="en-US" smtClean="0"/>
-              <a:t>2/6/2017</a:t>
+              <a:t>7/11/2017</a:t>
             </a:fld>
             <a:endParaRPr lang="en-US"/>
           </a:p>
@@ -751,10 +752,9 @@
           <a:lstStyle/>
           <a:p>
             <a:r>
-              <a:rPr lang="en-US" smtClean="0"/>
+              <a:rPr lang="en-US"/>
               <a:t>Click to edit Master title style</a:t>
             </a:r>
-            <a:endParaRPr lang="en-US"/>
           </a:p>
         </p:txBody>
       </p:sp>
@@ -775,38 +775,37 @@
           <a:p>
             <a:pPr lvl="0"/>
             <a:r>
-              <a:rPr lang="en-US" smtClean="0"/>
+              <a:rPr lang="en-US"/>
               <a:t>Click to edit Master text styles</a:t>
             </a:r>
           </a:p>
           <a:p>
             <a:pPr lvl="1"/>
             <a:r>
-              <a:rPr lang="en-US" smtClean="0"/>
+              <a:rPr lang="en-US"/>
               <a:t>Second level</a:t>
             </a:r>
           </a:p>
           <a:p>
             <a:pPr lvl="2"/>
             <a:r>
-              <a:rPr lang="en-US" smtClean="0"/>
+              <a:rPr lang="en-US"/>
               <a:t>Third level</a:t>
             </a:r>
           </a:p>
           <a:p>
             <a:pPr lvl="3"/>
             <a:r>
-              <a:rPr lang="en-US" smtClean="0"/>
+              <a:rPr lang="en-US"/>
               <a:t>Fourth level</a:t>
             </a:r>
           </a:p>
           <a:p>
             <a:pPr lvl="4"/>
             <a:r>
-              <a:rPr lang="en-US" smtClean="0"/>
+              <a:rPr lang="en-US"/>
               <a:t>Fifth level</a:t>
             </a:r>
-            <a:endParaRPr lang="en-US"/>
           </a:p>
         </p:txBody>
       </p:sp>
@@ -827,7 +826,7 @@
           <a:p>
             <a:fld id="{78C97017-6FC3-485B-9764-EAC9E56C1D49}" type="datetimeFigureOut">
               <a:rPr lang="en-US" smtClean="0"/>
-              <a:t>2/6/2017</a:t>
+              <a:t>7/11/2017</a:t>
             </a:fld>
             <a:endParaRPr lang="en-US"/>
           </a:p>
@@ -926,10 +925,9 @@
           <a:lstStyle/>
           <a:p>
             <a:r>
-              <a:rPr lang="en-US" smtClean="0"/>
+              <a:rPr lang="en-US"/>
               <a:t>Click to edit Master title style</a:t>
             </a:r>
-            <a:endParaRPr lang="en-US"/>
           </a:p>
         </p:txBody>
       </p:sp>
@@ -955,38 +953,37 @@
           <a:p>
             <a:pPr lvl="0"/>
             <a:r>
-              <a:rPr lang="en-US" smtClean="0"/>
+              <a:rPr lang="en-US"/>
               <a:t>Click to edit Master text styles</a:t>
             </a:r>
           </a:p>
           <a:p>
             <a:pPr lvl="1"/>
             <a:r>
-              <a:rPr lang="en-US" smtClean="0"/>
+              <a:rPr lang="en-US"/>
               <a:t>Second level</a:t>
             </a:r>
           </a:p>
           <a:p>
             <a:pPr lvl="2"/>
             <a:r>
-              <a:rPr lang="en-US" smtClean="0"/>
+              <a:rPr lang="en-US"/>
               <a:t>Third level</a:t>
             </a:r>
           </a:p>
           <a:p>
             <a:pPr lvl="3"/>
             <a:r>
-              <a:rPr lang="en-US" smtClean="0"/>
+              <a:rPr lang="en-US"/>
               <a:t>Fourth level</a:t>
             </a:r>
           </a:p>
           <a:p>
             <a:pPr lvl="4"/>
             <a:r>
-              <a:rPr lang="en-US" smtClean="0"/>
+              <a:rPr lang="en-US"/>
               <a:t>Fifth level</a:t>
             </a:r>
-            <a:endParaRPr lang="en-US"/>
           </a:p>
         </p:txBody>
       </p:sp>
@@ -1007,7 +1004,7 @@
           <a:p>
             <a:fld id="{78C97017-6FC3-485B-9764-EAC9E56C1D49}" type="datetimeFigureOut">
               <a:rPr lang="en-US" smtClean="0"/>
-              <a:t>2/6/2017</a:t>
+              <a:t>7/11/2017</a:t>
             </a:fld>
             <a:endParaRPr lang="en-US"/>
           </a:p>
@@ -1101,10 +1098,9 @@
           <a:lstStyle/>
           <a:p>
             <a:r>
-              <a:rPr lang="en-US" smtClean="0"/>
+              <a:rPr lang="en-US"/>
               <a:t>Click to edit Master title style</a:t>
             </a:r>
-            <a:endParaRPr lang="en-US"/>
           </a:p>
         </p:txBody>
       </p:sp>
@@ -1125,38 +1121,37 @@
           <a:p>
             <a:pPr lvl="0"/>
             <a:r>
-              <a:rPr lang="en-US" smtClean="0"/>
+              <a:rPr lang="en-US"/>
               <a:t>Click to edit Master text styles</a:t>
             </a:r>
           </a:p>
           <a:p>
             <a:pPr lvl="1"/>
             <a:r>
-              <a:rPr lang="en-US" smtClean="0"/>
+              <a:rPr lang="en-US"/>
               <a:t>Second level</a:t>
             </a:r>
           </a:p>
           <a:p>
             <a:pPr lvl="2"/>
             <a:r>
-              <a:rPr lang="en-US" smtClean="0"/>
+              <a:rPr lang="en-US"/>
               <a:t>Third level</a:t>
             </a:r>
           </a:p>
           <a:p>
             <a:pPr lvl="3"/>
             <a:r>
-              <a:rPr lang="en-US" smtClean="0"/>
+              <a:rPr lang="en-US"/>
               <a:t>Fourth level</a:t>
             </a:r>
           </a:p>
           <a:p>
             <a:pPr lvl="4"/>
             <a:r>
-              <a:rPr lang="en-US" smtClean="0"/>
+              <a:rPr lang="en-US"/>
               <a:t>Fifth level</a:t>
             </a:r>
-            <a:endParaRPr lang="en-US"/>
           </a:p>
         </p:txBody>
       </p:sp>
@@ -1177,7 +1172,7 @@
           <a:p>
             <a:fld id="{78C97017-6FC3-485B-9764-EAC9E56C1D49}" type="datetimeFigureOut">
               <a:rPr lang="en-US" smtClean="0"/>
-              <a:t>2/6/2017</a:t>
+              <a:t>7/11/2017</a:t>
             </a:fld>
             <a:endParaRPr lang="en-US"/>
           </a:p>
@@ -1280,10 +1275,9 @@
           </a:lstStyle>
           <a:p>
             <a:r>
-              <a:rPr lang="en-US" smtClean="0"/>
+              <a:rPr lang="en-US"/>
               <a:t>Click to edit Master title style</a:t>
             </a:r>
-            <a:endParaRPr lang="en-US"/>
           </a:p>
         </p:txBody>
       </p:sp>
@@ -1400,7 +1394,7 @@
           <a:p>
             <a:pPr lvl="0"/>
             <a:r>
-              <a:rPr lang="en-US" smtClean="0"/>
+              <a:rPr lang="en-US"/>
               <a:t>Click to edit Master text styles</a:t>
             </a:r>
           </a:p>
@@ -1423,7 +1417,7 @@
           <a:p>
             <a:fld id="{78C97017-6FC3-485B-9764-EAC9E56C1D49}" type="datetimeFigureOut">
               <a:rPr lang="en-US" smtClean="0"/>
-              <a:t>2/6/2017</a:t>
+              <a:t>7/11/2017</a:t>
             </a:fld>
             <a:endParaRPr lang="en-US"/>
           </a:p>
@@ -1517,10 +1511,9 @@
           <a:lstStyle/>
           <a:p>
             <a:r>
-              <a:rPr lang="en-US" smtClean="0"/>
+              <a:rPr lang="en-US"/>
               <a:t>Click to edit Master title style</a:t>
             </a:r>
-            <a:endParaRPr lang="en-US"/>
           </a:p>
         </p:txBody>
       </p:sp>
@@ -1574,38 +1567,37 @@
           <a:p>
             <a:pPr lvl="0"/>
             <a:r>
-              <a:rPr lang="en-US" smtClean="0"/>
+              <a:rPr lang="en-US"/>
               <a:t>Click to edit Master text styles</a:t>
             </a:r>
           </a:p>
           <a:p>
             <a:pPr lvl="1"/>
             <a:r>
-              <a:rPr lang="en-US" smtClean="0"/>
+              <a:rPr lang="en-US"/>
               <a:t>Second level</a:t>
             </a:r>
           </a:p>
           <a:p>
             <a:pPr lvl="2"/>
             <a:r>
-              <a:rPr lang="en-US" smtClean="0"/>
+              <a:rPr lang="en-US"/>
               <a:t>Third level</a:t>
             </a:r>
           </a:p>
           <a:p>
             <a:pPr lvl="3"/>
             <a:r>
-              <a:rPr lang="en-US" smtClean="0"/>
+              <a:rPr lang="en-US"/>
               <a:t>Fourth level</a:t>
             </a:r>
           </a:p>
           <a:p>
             <a:pPr lvl="4"/>
             <a:r>
-              <a:rPr lang="en-US" smtClean="0"/>
+              <a:rPr lang="en-US"/>
               <a:t>Fifth level</a:t>
             </a:r>
-            <a:endParaRPr lang="en-US"/>
           </a:p>
         </p:txBody>
       </p:sp>
@@ -1659,38 +1651,37 @@
           <a:p>
             <a:pPr lvl="0"/>
             <a:r>
-              <a:rPr lang="en-US" smtClean="0"/>
+              <a:rPr lang="en-US"/>
               <a:t>Click to edit Master text styles</a:t>
             </a:r>
           </a:p>
           <a:p>
             <a:pPr lvl="1"/>
             <a:r>
-              <a:rPr lang="en-US" smtClean="0"/>
+              <a:rPr lang="en-US"/>
               <a:t>Second level</a:t>
             </a:r>
           </a:p>
           <a:p>
             <a:pPr lvl="2"/>
             <a:r>
-              <a:rPr lang="en-US" smtClean="0"/>
+              <a:rPr lang="en-US"/>
               <a:t>Third level</a:t>
             </a:r>
           </a:p>
           <a:p>
             <a:pPr lvl="3"/>
             <a:r>
-              <a:rPr lang="en-US" smtClean="0"/>
+              <a:rPr lang="en-US"/>
               <a:t>Fourth level</a:t>
             </a:r>
           </a:p>
           <a:p>
             <a:pPr lvl="4"/>
             <a:r>
-              <a:rPr lang="en-US" smtClean="0"/>
+              <a:rPr lang="en-US"/>
               <a:t>Fifth level</a:t>
             </a:r>
-            <a:endParaRPr lang="en-US"/>
           </a:p>
         </p:txBody>
       </p:sp>
@@ -1711,7 +1702,7 @@
           <a:p>
             <a:fld id="{78C97017-6FC3-485B-9764-EAC9E56C1D49}" type="datetimeFigureOut">
               <a:rPr lang="en-US" smtClean="0"/>
-              <a:t>2/6/2017</a:t>
+              <a:t>7/11/2017</a:t>
             </a:fld>
             <a:endParaRPr lang="en-US"/>
           </a:p>
@@ -1809,10 +1800,9 @@
           </a:lstStyle>
           <a:p>
             <a:r>
-              <a:rPr lang="en-US" smtClean="0"/>
+              <a:rPr lang="en-US"/>
               <a:t>Click to edit Master title style</a:t>
             </a:r>
-            <a:endParaRPr lang="en-US"/>
           </a:p>
         </p:txBody>
       </p:sp>
@@ -1875,7 +1865,7 @@
           <a:p>
             <a:pPr lvl="0"/>
             <a:r>
-              <a:rPr lang="en-US" smtClean="0"/>
+              <a:rPr lang="en-US"/>
               <a:t>Click to edit Master text styles</a:t>
             </a:r>
           </a:p>
@@ -1931,38 +1921,37 @@
           <a:p>
             <a:pPr lvl="0"/>
             <a:r>
-              <a:rPr lang="en-US" smtClean="0"/>
+              <a:rPr lang="en-US"/>
               <a:t>Click to edit Master text styles</a:t>
             </a:r>
           </a:p>
           <a:p>
             <a:pPr lvl="1"/>
             <a:r>
-              <a:rPr lang="en-US" smtClean="0"/>
+              <a:rPr lang="en-US"/>
               <a:t>Second level</a:t>
             </a:r>
           </a:p>
           <a:p>
             <a:pPr lvl="2"/>
             <a:r>
-              <a:rPr lang="en-US" smtClean="0"/>
+              <a:rPr lang="en-US"/>
               <a:t>Third level</a:t>
             </a:r>
           </a:p>
           <a:p>
             <a:pPr lvl="3"/>
             <a:r>
-              <a:rPr lang="en-US" smtClean="0"/>
+              <a:rPr lang="en-US"/>
               <a:t>Fourth level</a:t>
             </a:r>
           </a:p>
           <a:p>
             <a:pPr lvl="4"/>
             <a:r>
-              <a:rPr lang="en-US" smtClean="0"/>
+              <a:rPr lang="en-US"/>
               <a:t>Fifth level</a:t>
             </a:r>
-            <a:endParaRPr lang="en-US"/>
           </a:p>
         </p:txBody>
       </p:sp>
@@ -2025,7 +2014,7 @@
           <a:p>
             <a:pPr lvl="0"/>
             <a:r>
-              <a:rPr lang="en-US" smtClean="0"/>
+              <a:rPr lang="en-US"/>
               <a:t>Click to edit Master text styles</a:t>
             </a:r>
           </a:p>
@@ -2081,38 +2070,37 @@
           <a:p>
             <a:pPr lvl="0"/>
             <a:r>
-              <a:rPr lang="en-US" smtClean="0"/>
+              <a:rPr lang="en-US"/>
               <a:t>Click to edit Master text styles</a:t>
             </a:r>
           </a:p>
           <a:p>
             <a:pPr lvl="1"/>
             <a:r>
-              <a:rPr lang="en-US" smtClean="0"/>
+              <a:rPr lang="en-US"/>
               <a:t>Second level</a:t>
             </a:r>
           </a:p>
           <a:p>
             <a:pPr lvl="2"/>
             <a:r>
-              <a:rPr lang="en-US" smtClean="0"/>
+              <a:rPr lang="en-US"/>
               <a:t>Third level</a:t>
             </a:r>
           </a:p>
           <a:p>
             <a:pPr lvl="3"/>
             <a:r>
-              <a:rPr lang="en-US" smtClean="0"/>
+              <a:rPr lang="en-US"/>
               <a:t>Fourth level</a:t>
             </a:r>
           </a:p>
           <a:p>
             <a:pPr lvl="4"/>
             <a:r>
-              <a:rPr lang="en-US" smtClean="0"/>
+              <a:rPr lang="en-US"/>
               <a:t>Fifth level</a:t>
             </a:r>
-            <a:endParaRPr lang="en-US"/>
           </a:p>
         </p:txBody>
       </p:sp>
@@ -2133,7 +2121,7 @@
           <a:p>
             <a:fld id="{78C97017-6FC3-485B-9764-EAC9E56C1D49}" type="datetimeFigureOut">
               <a:rPr lang="en-US" smtClean="0"/>
-              <a:t>2/6/2017</a:t>
+              <a:t>7/11/2017</a:t>
             </a:fld>
             <a:endParaRPr lang="en-US"/>
           </a:p>
@@ -2227,10 +2215,9 @@
           <a:lstStyle/>
           <a:p>
             <a:r>
-              <a:rPr lang="en-US" smtClean="0"/>
+              <a:rPr lang="en-US"/>
               <a:t>Click to edit Master title style</a:t>
             </a:r>
-            <a:endParaRPr lang="en-US"/>
           </a:p>
         </p:txBody>
       </p:sp>
@@ -2251,7 +2238,7 @@
           <a:p>
             <a:fld id="{78C97017-6FC3-485B-9764-EAC9E56C1D49}" type="datetimeFigureOut">
               <a:rPr lang="en-US" smtClean="0"/>
-              <a:t>2/6/2017</a:t>
+              <a:t>7/11/2017</a:t>
             </a:fld>
             <a:endParaRPr lang="en-US"/>
           </a:p>
@@ -2346,7 +2333,7 @@
           <a:p>
             <a:fld id="{78C97017-6FC3-485B-9764-EAC9E56C1D49}" type="datetimeFigureOut">
               <a:rPr lang="en-US" smtClean="0"/>
-              <a:t>2/6/2017</a:t>
+              <a:t>7/11/2017</a:t>
             </a:fld>
             <a:endParaRPr lang="en-US"/>
           </a:p>
@@ -2449,10 +2436,9 @@
           </a:lstStyle>
           <a:p>
             <a:r>
-              <a:rPr lang="en-US" smtClean="0"/>
+              <a:rPr lang="en-US"/>
               <a:t>Click to edit Master title style</a:t>
             </a:r>
-            <a:endParaRPr lang="en-US"/>
           </a:p>
         </p:txBody>
       </p:sp>
@@ -2506,38 +2492,37 @@
           <a:p>
             <a:pPr lvl="0"/>
             <a:r>
-              <a:rPr lang="en-US" smtClean="0"/>
+              <a:rPr lang="en-US"/>
               <a:t>Click to edit Master text styles</a:t>
             </a:r>
           </a:p>
           <a:p>
             <a:pPr lvl="1"/>
             <a:r>
-              <a:rPr lang="en-US" smtClean="0"/>
+              <a:rPr lang="en-US"/>
               <a:t>Second level</a:t>
             </a:r>
           </a:p>
           <a:p>
             <a:pPr lvl="2"/>
             <a:r>
-              <a:rPr lang="en-US" smtClean="0"/>
+              <a:rPr lang="en-US"/>
               <a:t>Third level</a:t>
             </a:r>
           </a:p>
           <a:p>
             <a:pPr lvl="3"/>
             <a:r>
-              <a:rPr lang="en-US" smtClean="0"/>
+              <a:rPr lang="en-US"/>
               <a:t>Fourth level</a:t>
             </a:r>
           </a:p>
           <a:p>
             <a:pPr lvl="4"/>
             <a:r>
-              <a:rPr lang="en-US" smtClean="0"/>
+              <a:rPr lang="en-US"/>
               <a:t>Fifth level</a:t>
             </a:r>
-            <a:endParaRPr lang="en-US"/>
           </a:p>
         </p:txBody>
       </p:sp>
@@ -2600,7 +2585,7 @@
           <a:p>
             <a:pPr lvl="0"/>
             <a:r>
-              <a:rPr lang="en-US" smtClean="0"/>
+              <a:rPr lang="en-US"/>
               <a:t>Click to edit Master text styles</a:t>
             </a:r>
           </a:p>
@@ -2623,7 +2608,7 @@
           <a:p>
             <a:fld id="{78C97017-6FC3-485B-9764-EAC9E56C1D49}" type="datetimeFigureOut">
               <a:rPr lang="en-US" smtClean="0"/>
-              <a:t>2/6/2017</a:t>
+              <a:t>7/11/2017</a:t>
             </a:fld>
             <a:endParaRPr lang="en-US"/>
           </a:p>
@@ -2726,10 +2711,9 @@
           </a:lstStyle>
           <a:p>
             <a:r>
-              <a:rPr lang="en-US" smtClean="0"/>
+              <a:rPr lang="en-US"/>
               <a:t>Click to edit Master title style</a:t>
             </a:r>
-            <a:endParaRPr lang="en-US"/>
           </a:p>
         </p:txBody>
       </p:sp>
@@ -2853,7 +2837,7 @@
           <a:p>
             <a:pPr lvl="0"/>
             <a:r>
-              <a:rPr lang="en-US" smtClean="0"/>
+              <a:rPr lang="en-US"/>
               <a:t>Click to edit Master text styles</a:t>
             </a:r>
           </a:p>
@@ -2876,7 +2860,7 @@
           <a:p>
             <a:fld id="{78C97017-6FC3-485B-9764-EAC9E56C1D49}" type="datetimeFigureOut">
               <a:rPr lang="en-US" smtClean="0"/>
-              <a:t>2/6/2017</a:t>
+              <a:t>7/11/2017</a:t>
             </a:fld>
             <a:endParaRPr lang="en-US"/>
           </a:p>
@@ -2985,10 +2969,9 @@
           <a:lstStyle/>
           <a:p>
             <a:r>
-              <a:rPr lang="en-US" smtClean="0"/>
+              <a:rPr lang="en-US"/>
               <a:t>Click to edit Master title style</a:t>
             </a:r>
-            <a:endParaRPr lang="en-US"/>
           </a:p>
         </p:txBody>
       </p:sp>
@@ -3019,38 +3002,37 @@
           <a:p>
             <a:pPr lvl="0"/>
             <a:r>
-              <a:rPr lang="en-US" smtClean="0"/>
+              <a:rPr lang="en-US"/>
               <a:t>Click to edit Master text styles</a:t>
             </a:r>
           </a:p>
           <a:p>
             <a:pPr lvl="1"/>
             <a:r>
-              <a:rPr lang="en-US" smtClean="0"/>
+              <a:rPr lang="en-US"/>
               <a:t>Second level</a:t>
             </a:r>
           </a:p>
           <a:p>
             <a:pPr lvl="2"/>
             <a:r>
-              <a:rPr lang="en-US" smtClean="0"/>
+              <a:rPr lang="en-US"/>
               <a:t>Third level</a:t>
             </a:r>
           </a:p>
           <a:p>
             <a:pPr lvl="3"/>
             <a:r>
-              <a:rPr lang="en-US" smtClean="0"/>
+              <a:rPr lang="en-US"/>
               <a:t>Fourth level</a:t>
             </a:r>
           </a:p>
           <a:p>
             <a:pPr lvl="4"/>
             <a:r>
-              <a:rPr lang="en-US" smtClean="0"/>
+              <a:rPr lang="en-US"/>
               <a:t>Fifth level</a:t>
             </a:r>
-            <a:endParaRPr lang="en-US"/>
           </a:p>
         </p:txBody>
       </p:sp>
@@ -3089,7 +3071,7 @@
           <a:p>
             <a:fld id="{78C97017-6FC3-485B-9764-EAC9E56C1D49}" type="datetimeFigureOut">
               <a:rPr lang="en-US" smtClean="0"/>
-              <a:t>2/6/2017</a:t>
+              <a:t>7/11/2017</a:t>
             </a:fld>
             <a:endParaRPr lang="en-US"/>
           </a:p>
@@ -3510,7 +3492,7 @@
           <a:lstStyle/>
           <a:p>
             <a:r>
-              <a:rPr lang="en-US" sz="1200" b="1" dirty="0" smtClean="0">
+              <a:rPr lang="en-US" sz="1200" b="1" dirty="0">
                 <a:solidFill>
                   <a:srgbClr val="0070C0"/>
                 </a:solidFill>
@@ -3720,7 +3702,7 @@
           <a:p>
             <a:pPr algn="ctr"/>
             <a:r>
-              <a:rPr lang="en-US" sz="1600" dirty="0" smtClean="0">
+              <a:rPr lang="en-US" sz="1600" dirty="0">
                 <a:solidFill>
                   <a:schemeClr val="bg1"/>
                 </a:solidFill>
@@ -3867,20 +3849,12 @@
           <a:p>
             <a:pPr algn="ctr"/>
             <a:r>
-              <a:rPr lang="en-US" sz="1600" dirty="0" smtClean="0">
+              <a:rPr lang="en-US" sz="1600" dirty="0">
                 <a:solidFill>
                   <a:schemeClr val="bg1"/>
                 </a:solidFill>
               </a:rPr>
               <a:t>d:Delete</a:t>
-            </a:r>
-            <a:r>
-              <a:rPr lang="en-US" sz="1600" dirty="0">
-                <a:solidFill>
-                  <a:schemeClr val="bg1"/>
-                </a:solidFill>
-              </a:rPr>
-              <a:t/>
             </a:r>
             <a:br>
               <a:rPr lang="en-US" sz="1600" dirty="0">
@@ -4087,18 +4061,13 @@
           <a:p>
             <a:pPr algn="r"/>
             <a:r>
-              <a:rPr lang="en-US" sz="1400" dirty="0" smtClean="0">
+              <a:rPr lang="en-US" sz="1400" dirty="0">
                 <a:solidFill>
                   <a:srgbClr val="0070C0"/>
                 </a:solidFill>
               </a:rPr>
               <a:t>execute(“delete 1”)</a:t>
             </a:r>
-            <a:endParaRPr lang="en-US" sz="1400" dirty="0">
-              <a:solidFill>
-                <a:srgbClr val="0070C0"/>
-              </a:solidFill>
-            </a:endParaRPr>
           </a:p>
         </p:txBody>
       </p:sp>
@@ -4686,26 +4655,21 @@
           </a:lstStyle>
           <a:p>
             <a:r>
-              <a:rPr lang="en-US" dirty="0" err="1" smtClean="0">
+              <a:rPr lang="en-US" dirty="0" err="1">
                 <a:solidFill>
                   <a:srgbClr val="7030A0"/>
                 </a:solidFill>
               </a:rPr>
-              <a:t>deletePerson</a:t>
-            </a:r>
-            <a:r>
-              <a:rPr lang="en-US" dirty="0" smtClean="0">
+              <a:t>deleteTask</a:t>
+            </a:r>
+            <a:r>
+              <a:rPr lang="en-US" dirty="0">
                 <a:solidFill>
                   <a:srgbClr val="7030A0"/>
                 </a:solidFill>
               </a:rPr>
               <a:t>(p)</a:t>
             </a:r>
-            <a:endParaRPr lang="en-US" dirty="0">
-              <a:solidFill>
-                <a:srgbClr val="7030A0"/>
-              </a:solidFill>
-            </a:endParaRPr>
           </a:p>
         </p:txBody>
       </p:sp>
@@ -4744,13 +4708,8 @@
           <a:p>
             <a:r>
               <a:rPr lang="en-US" sz="1200" dirty="0"/>
-              <a:t>p</a:t>
-            </a:r>
-            <a:r>
-              <a:rPr lang="en-US" sz="1200" dirty="0" smtClean="0"/>
-              <a:t>arse(“1”)</a:t>
-            </a:r>
-            <a:endParaRPr lang="en-US" sz="1200" dirty="0"/>
+              <a:t>parse(“1”)</a:t>
+            </a:r>
           </a:p>
         </p:txBody>
       </p:sp>
@@ -4788,10 +4747,9 @@
           </a:lstStyle>
           <a:p>
             <a:r>
-              <a:rPr lang="en-US" dirty="0" smtClean="0"/>
+              <a:rPr lang="en-US" dirty="0"/>
               <a:t>parse(“delete 1”)</a:t>
             </a:r>
-            <a:endParaRPr lang="en-US" dirty="0"/>
           </a:p>
         </p:txBody>
       </p:sp>
@@ -4829,10 +4787,9 @@
           </a:lstStyle>
           <a:p>
             <a:r>
-              <a:rPr lang="en-US" dirty="0" smtClean="0"/>
+              <a:rPr lang="en-US" dirty="0"/>
               <a:t>result</a:t>
             </a:r>
-            <a:endParaRPr lang="en-US" dirty="0"/>
           </a:p>
         </p:txBody>
       </p:sp>
@@ -4870,10 +4827,9 @@
           </a:lstStyle>
           <a:p>
             <a:r>
-              <a:rPr lang="en-US" dirty="0" smtClean="0"/>
+              <a:rPr lang="en-US" dirty="0"/>
               <a:t>result</a:t>
             </a:r>
-            <a:endParaRPr lang="en-US" dirty="0"/>
           </a:p>
         </p:txBody>
       </p:sp>
@@ -4921,7 +4877,7 @@
           <a:p>
             <a:pPr algn="ctr"/>
             <a:r>
-              <a:rPr lang="en-US" sz="1600" dirty="0" err="1" smtClean="0">
+              <a:rPr lang="en-US" sz="1600" dirty="0" err="1">
                 <a:solidFill>
                   <a:schemeClr val="bg1"/>
                 </a:solidFill>
@@ -4929,7 +4885,7 @@
               <a:t>result:Command</a:t>
             </a:r>
             <a:r>
-              <a:rPr lang="en-US" sz="1600" dirty="0" smtClean="0">
+              <a:rPr lang="en-US" sz="1600" dirty="0">
                 <a:solidFill>
                   <a:schemeClr val="bg1"/>
                 </a:solidFill>
@@ -5063,10 +5019,9 @@
           </a:lstStyle>
           <a:p>
             <a:r>
-              <a:rPr lang="en-US" dirty="0" smtClean="0"/>
+              <a:rPr lang="en-US" dirty="0"/>
               <a:t>d</a:t>
             </a:r>
-            <a:endParaRPr lang="en-US" dirty="0"/>
           </a:p>
         </p:txBody>
       </p:sp>
@@ -5114,7 +5069,7 @@
           <a:p>
             <a:pPr algn="ctr"/>
             <a:r>
-              <a:rPr lang="en-US" sz="1600" dirty="0" smtClean="0">
+              <a:rPr lang="en-US" sz="1600" dirty="0">
                 <a:solidFill>
                   <a:schemeClr val="bg1"/>
                 </a:solidFill>
@@ -5122,14 +5077,14 @@
               <a:t>:</a:t>
             </a:r>
             <a:r>
-              <a:rPr lang="en-US" sz="1600" dirty="0" err="1" smtClean="0">
+              <a:rPr lang="en-US" sz="1600" dirty="0" err="1">
                 <a:solidFill>
                   <a:schemeClr val="bg1"/>
                 </a:solidFill>
               </a:rPr>
               <a:t>DeleteCommand</a:t>
             </a:r>
-            <a:endParaRPr lang="en-US" sz="1600" dirty="0" smtClean="0">
+            <a:endParaRPr lang="en-US" sz="1600" dirty="0">
               <a:solidFill>
                 <a:schemeClr val="bg1"/>
               </a:solidFill>
@@ -5138,7 +5093,7 @@
           <a:p>
             <a:pPr algn="ctr"/>
             <a:r>
-              <a:rPr lang="en-US" sz="1600" dirty="0" smtClean="0">
+              <a:rPr lang="en-US" sz="1600" dirty="0">
                 <a:solidFill>
                   <a:schemeClr val="bg1"/>
                 </a:solidFill>
@@ -5489,18 +5444,13 @@
           <a:lstStyle/>
           <a:p>
             <a:r>
-              <a:rPr lang="en-SG" sz="1100" dirty="0" smtClean="0">
+              <a:rPr lang="en-SG" sz="1100" dirty="0">
                 <a:solidFill>
                   <a:srgbClr val="002060"/>
                 </a:solidFill>
               </a:rPr>
               <a:t>X</a:t>
             </a:r>
-            <a:endParaRPr lang="en-SG" sz="1100" dirty="0">
-              <a:solidFill>
-                <a:srgbClr val="002060"/>
-              </a:solidFill>
-            </a:endParaRPr>
           </a:p>
         </p:txBody>
       </p:sp>

--- a/docs/diagrams/LogicComponentSequenceDiagram.pptx
+++ b/docs/diagrams/LogicComponentSequenceDiagram.pptx
@@ -212,7 +212,7 @@
           <a:p>
             <a:fld id="{F5CC4B3F-88C1-4FFA-B1B6-F41C21DC6924}" type="datetimeFigureOut">
               <a:rPr lang="en-US" smtClean="0"/>
-              <a:t>7/11/2017</a:t>
+              <a:t>7/12/2017</a:t>
             </a:fld>
             <a:endParaRPr lang="en-US"/>
           </a:p>
@@ -658,7 +658,7 @@
           <a:p>
             <a:fld id="{78C97017-6FC3-485B-9764-EAC9E56C1D49}" type="datetimeFigureOut">
               <a:rPr lang="en-US" smtClean="0"/>
-              <a:t>7/11/2017</a:t>
+              <a:t>7/12/2017</a:t>
             </a:fld>
             <a:endParaRPr lang="en-US"/>
           </a:p>
@@ -826,7 +826,7 @@
           <a:p>
             <a:fld id="{78C97017-6FC3-485B-9764-EAC9E56C1D49}" type="datetimeFigureOut">
               <a:rPr lang="en-US" smtClean="0"/>
-              <a:t>7/11/2017</a:t>
+              <a:t>7/12/2017</a:t>
             </a:fld>
             <a:endParaRPr lang="en-US"/>
           </a:p>
@@ -1004,7 +1004,7 @@
           <a:p>
             <a:fld id="{78C97017-6FC3-485B-9764-EAC9E56C1D49}" type="datetimeFigureOut">
               <a:rPr lang="en-US" smtClean="0"/>
-              <a:t>7/11/2017</a:t>
+              <a:t>7/12/2017</a:t>
             </a:fld>
             <a:endParaRPr lang="en-US"/>
           </a:p>
@@ -1172,7 +1172,7 @@
           <a:p>
             <a:fld id="{78C97017-6FC3-485B-9764-EAC9E56C1D49}" type="datetimeFigureOut">
               <a:rPr lang="en-US" smtClean="0"/>
-              <a:t>7/11/2017</a:t>
+              <a:t>7/12/2017</a:t>
             </a:fld>
             <a:endParaRPr lang="en-US"/>
           </a:p>
@@ -1417,7 +1417,7 @@
           <a:p>
             <a:fld id="{78C97017-6FC3-485B-9764-EAC9E56C1D49}" type="datetimeFigureOut">
               <a:rPr lang="en-US" smtClean="0"/>
-              <a:t>7/11/2017</a:t>
+              <a:t>7/12/2017</a:t>
             </a:fld>
             <a:endParaRPr lang="en-US"/>
           </a:p>
@@ -1702,7 +1702,7 @@
           <a:p>
             <a:fld id="{78C97017-6FC3-485B-9764-EAC9E56C1D49}" type="datetimeFigureOut">
               <a:rPr lang="en-US" smtClean="0"/>
-              <a:t>7/11/2017</a:t>
+              <a:t>7/12/2017</a:t>
             </a:fld>
             <a:endParaRPr lang="en-US"/>
           </a:p>
@@ -2121,7 +2121,7 @@
           <a:p>
             <a:fld id="{78C97017-6FC3-485B-9764-EAC9E56C1D49}" type="datetimeFigureOut">
               <a:rPr lang="en-US" smtClean="0"/>
-              <a:t>7/11/2017</a:t>
+              <a:t>7/12/2017</a:t>
             </a:fld>
             <a:endParaRPr lang="en-US"/>
           </a:p>
@@ -2238,7 +2238,7 @@
           <a:p>
             <a:fld id="{78C97017-6FC3-485B-9764-EAC9E56C1D49}" type="datetimeFigureOut">
               <a:rPr lang="en-US" smtClean="0"/>
-              <a:t>7/11/2017</a:t>
+              <a:t>7/12/2017</a:t>
             </a:fld>
             <a:endParaRPr lang="en-US"/>
           </a:p>
@@ -2333,7 +2333,7 @@
           <a:p>
             <a:fld id="{78C97017-6FC3-485B-9764-EAC9E56C1D49}" type="datetimeFigureOut">
               <a:rPr lang="en-US" smtClean="0"/>
-              <a:t>7/11/2017</a:t>
+              <a:t>7/12/2017</a:t>
             </a:fld>
             <a:endParaRPr lang="en-US"/>
           </a:p>
@@ -2608,7 +2608,7 @@
           <a:p>
             <a:fld id="{78C97017-6FC3-485B-9764-EAC9E56C1D49}" type="datetimeFigureOut">
               <a:rPr lang="en-US" smtClean="0"/>
-              <a:t>7/11/2017</a:t>
+              <a:t>7/12/2017</a:t>
             </a:fld>
             <a:endParaRPr lang="en-US"/>
           </a:p>
@@ -2860,7 +2860,7 @@
           <a:p>
             <a:fld id="{78C97017-6FC3-485B-9764-EAC9E56C1D49}" type="datetimeFigureOut">
               <a:rPr lang="en-US" smtClean="0"/>
-              <a:t>7/11/2017</a:t>
+              <a:t>7/12/2017</a:t>
             </a:fld>
             <a:endParaRPr lang="en-US"/>
           </a:p>
@@ -3071,7 +3071,7 @@
           <a:p>
             <a:fld id="{78C97017-6FC3-485B-9764-EAC9E56C1D49}" type="datetimeFigureOut">
               <a:rPr lang="en-US" smtClean="0"/>
-              <a:t>7/11/2017</a:t>
+              <a:t>7/12/2017</a:t>
             </a:fld>
             <a:endParaRPr lang="en-US"/>
           </a:p>
@@ -4663,13 +4663,18 @@
               <a:t>deleteTask</a:t>
             </a:r>
             <a:r>
-              <a:rPr lang="en-US" dirty="0">
+              <a:rPr lang="en-US">
                 <a:solidFill>
                   <a:srgbClr val="7030A0"/>
                 </a:solidFill>
               </a:rPr>
-              <a:t>(p)</a:t>
-            </a:r>
+              <a:t>(t)</a:t>
+            </a:r>
+            <a:endParaRPr lang="en-US" dirty="0">
+              <a:solidFill>
+                <a:srgbClr val="7030A0"/>
+              </a:solidFill>
+            </a:endParaRPr>
           </a:p>
         </p:txBody>
       </p:sp>

--- a/docs/diagrams/LogicComponentSequenceDiagram.pptx
+++ b/docs/diagrams/LogicComponentSequenceDiagram.pptx
@@ -126,6 +126,10 @@
 </p:presentation>
 </file>
 
+<file path=ppt/revisionInfo.xml><?xml version="1.0" encoding="utf-8"?>
+<p1510:revInfo xmlns:a="http://schemas.openxmlformats.org/drawingml/2006/main" xmlns:r="http://schemas.openxmlformats.org/officeDocument/2006/relationships" xmlns:p1510="http://schemas.microsoft.com/office/powerpoint/2015/10/main"/>
+</file>
+
 <file path=ppt/notesMasters/notesMaster1.xml><?xml version="1.0" encoding="utf-8"?>
 <p:notesMaster xmlns:a="http://schemas.openxmlformats.org/drawingml/2006/main" xmlns:r="http://schemas.openxmlformats.org/officeDocument/2006/relationships" xmlns:p="http://schemas.openxmlformats.org/presentationml/2006/main">
   <p:cSld>
@@ -208,7 +212,7 @@
           <a:p>
             <a:fld id="{F5CC4B3F-88C1-4FFA-B1B6-F41C21DC6924}" type="datetimeFigureOut">
               <a:rPr lang="en-US" smtClean="0"/>
-              <a:t>2/6/2017</a:t>
+              <a:t>7/22/2017</a:t>
             </a:fld>
             <a:endParaRPr lang="en-US"/>
           </a:p>
@@ -272,38 +276,37 @@
           <a:p>
             <a:pPr lvl="0"/>
             <a:r>
-              <a:rPr lang="en-US" smtClean="0"/>
+              <a:rPr lang="en-US"/>
               <a:t>Click to edit Master text styles</a:t>
             </a:r>
           </a:p>
           <a:p>
             <a:pPr lvl="1"/>
             <a:r>
-              <a:rPr lang="en-US" smtClean="0"/>
+              <a:rPr lang="en-US"/>
               <a:t>Second level</a:t>
             </a:r>
           </a:p>
           <a:p>
             <a:pPr lvl="2"/>
             <a:r>
-              <a:rPr lang="en-US" smtClean="0"/>
+              <a:rPr lang="en-US"/>
               <a:t>Third level</a:t>
             </a:r>
           </a:p>
           <a:p>
             <a:pPr lvl="3"/>
             <a:r>
-              <a:rPr lang="en-US" smtClean="0"/>
+              <a:rPr lang="en-US"/>
               <a:t>Fourth level</a:t>
             </a:r>
           </a:p>
           <a:p>
             <a:pPr lvl="4"/>
             <a:r>
-              <a:rPr lang="en-US" smtClean="0"/>
+              <a:rPr lang="en-US"/>
               <a:t>Fifth level</a:t>
             </a:r>
-            <a:endParaRPr lang="en-US"/>
           </a:p>
         </p:txBody>
       </p:sp>
@@ -514,10 +517,9 @@
           <a:lstStyle/>
           <a:p>
             <a:r>
-              <a:rPr lang="en-US" smtClean="0"/>
+              <a:rPr lang="en-US"/>
               <a:t>Click to edit Master title style</a:t>
             </a:r>
-            <a:endParaRPr lang="en-US"/>
           </a:p>
         </p:txBody>
       </p:sp>
@@ -633,10 +635,9 @@
           </a:lstStyle>
           <a:p>
             <a:r>
-              <a:rPr lang="en-US" smtClean="0"/>
+              <a:rPr lang="en-US"/>
               <a:t>Click to edit Master subtitle style</a:t>
             </a:r>
-            <a:endParaRPr lang="en-US"/>
           </a:p>
         </p:txBody>
       </p:sp>
@@ -657,7 +658,7 @@
           <a:p>
             <a:fld id="{78C97017-6FC3-485B-9764-EAC9E56C1D49}" type="datetimeFigureOut">
               <a:rPr lang="en-US" smtClean="0"/>
-              <a:t>2/6/2017</a:t>
+              <a:t>7/22/2017</a:t>
             </a:fld>
             <a:endParaRPr lang="en-US"/>
           </a:p>
@@ -751,10 +752,9 @@
           <a:lstStyle/>
           <a:p>
             <a:r>
-              <a:rPr lang="en-US" smtClean="0"/>
+              <a:rPr lang="en-US"/>
               <a:t>Click to edit Master title style</a:t>
             </a:r>
-            <a:endParaRPr lang="en-US"/>
           </a:p>
         </p:txBody>
       </p:sp>
@@ -775,38 +775,37 @@
           <a:p>
             <a:pPr lvl="0"/>
             <a:r>
-              <a:rPr lang="en-US" smtClean="0"/>
+              <a:rPr lang="en-US"/>
               <a:t>Click to edit Master text styles</a:t>
             </a:r>
           </a:p>
           <a:p>
             <a:pPr lvl="1"/>
             <a:r>
-              <a:rPr lang="en-US" smtClean="0"/>
+              <a:rPr lang="en-US"/>
               <a:t>Second level</a:t>
             </a:r>
           </a:p>
           <a:p>
             <a:pPr lvl="2"/>
             <a:r>
-              <a:rPr lang="en-US" smtClean="0"/>
+              <a:rPr lang="en-US"/>
               <a:t>Third level</a:t>
             </a:r>
           </a:p>
           <a:p>
             <a:pPr lvl="3"/>
             <a:r>
-              <a:rPr lang="en-US" smtClean="0"/>
+              <a:rPr lang="en-US"/>
               <a:t>Fourth level</a:t>
             </a:r>
           </a:p>
           <a:p>
             <a:pPr lvl="4"/>
             <a:r>
-              <a:rPr lang="en-US" smtClean="0"/>
+              <a:rPr lang="en-US"/>
               <a:t>Fifth level</a:t>
             </a:r>
-            <a:endParaRPr lang="en-US"/>
           </a:p>
         </p:txBody>
       </p:sp>
@@ -827,7 +826,7 @@
           <a:p>
             <a:fld id="{78C97017-6FC3-485B-9764-EAC9E56C1D49}" type="datetimeFigureOut">
               <a:rPr lang="en-US" smtClean="0"/>
-              <a:t>2/6/2017</a:t>
+              <a:t>7/22/2017</a:t>
             </a:fld>
             <a:endParaRPr lang="en-US"/>
           </a:p>
@@ -926,10 +925,9 @@
           <a:lstStyle/>
           <a:p>
             <a:r>
-              <a:rPr lang="en-US" smtClean="0"/>
+              <a:rPr lang="en-US"/>
               <a:t>Click to edit Master title style</a:t>
             </a:r>
-            <a:endParaRPr lang="en-US"/>
           </a:p>
         </p:txBody>
       </p:sp>
@@ -955,38 +953,37 @@
           <a:p>
             <a:pPr lvl="0"/>
             <a:r>
-              <a:rPr lang="en-US" smtClean="0"/>
+              <a:rPr lang="en-US"/>
               <a:t>Click to edit Master text styles</a:t>
             </a:r>
           </a:p>
           <a:p>
             <a:pPr lvl="1"/>
             <a:r>
-              <a:rPr lang="en-US" smtClean="0"/>
+              <a:rPr lang="en-US"/>
               <a:t>Second level</a:t>
             </a:r>
           </a:p>
           <a:p>
             <a:pPr lvl="2"/>
             <a:r>
-              <a:rPr lang="en-US" smtClean="0"/>
+              <a:rPr lang="en-US"/>
               <a:t>Third level</a:t>
             </a:r>
           </a:p>
           <a:p>
             <a:pPr lvl="3"/>
             <a:r>
-              <a:rPr lang="en-US" smtClean="0"/>
+              <a:rPr lang="en-US"/>
               <a:t>Fourth level</a:t>
             </a:r>
           </a:p>
           <a:p>
             <a:pPr lvl="4"/>
             <a:r>
-              <a:rPr lang="en-US" smtClean="0"/>
+              <a:rPr lang="en-US"/>
               <a:t>Fifth level</a:t>
             </a:r>
-            <a:endParaRPr lang="en-US"/>
           </a:p>
         </p:txBody>
       </p:sp>
@@ -1007,7 +1004,7 @@
           <a:p>
             <a:fld id="{78C97017-6FC3-485B-9764-EAC9E56C1D49}" type="datetimeFigureOut">
               <a:rPr lang="en-US" smtClean="0"/>
-              <a:t>2/6/2017</a:t>
+              <a:t>7/22/2017</a:t>
             </a:fld>
             <a:endParaRPr lang="en-US"/>
           </a:p>
@@ -1101,10 +1098,9 @@
           <a:lstStyle/>
           <a:p>
             <a:r>
-              <a:rPr lang="en-US" smtClean="0"/>
+              <a:rPr lang="en-US"/>
               <a:t>Click to edit Master title style</a:t>
             </a:r>
-            <a:endParaRPr lang="en-US"/>
           </a:p>
         </p:txBody>
       </p:sp>
@@ -1125,38 +1121,37 @@
           <a:p>
             <a:pPr lvl="0"/>
             <a:r>
-              <a:rPr lang="en-US" smtClean="0"/>
+              <a:rPr lang="en-US"/>
               <a:t>Click to edit Master text styles</a:t>
             </a:r>
           </a:p>
           <a:p>
             <a:pPr lvl="1"/>
             <a:r>
-              <a:rPr lang="en-US" smtClean="0"/>
+              <a:rPr lang="en-US"/>
               <a:t>Second level</a:t>
             </a:r>
           </a:p>
           <a:p>
             <a:pPr lvl="2"/>
             <a:r>
-              <a:rPr lang="en-US" smtClean="0"/>
+              <a:rPr lang="en-US"/>
               <a:t>Third level</a:t>
             </a:r>
           </a:p>
           <a:p>
             <a:pPr lvl="3"/>
             <a:r>
-              <a:rPr lang="en-US" smtClean="0"/>
+              <a:rPr lang="en-US"/>
               <a:t>Fourth level</a:t>
             </a:r>
           </a:p>
           <a:p>
             <a:pPr lvl="4"/>
             <a:r>
-              <a:rPr lang="en-US" smtClean="0"/>
+              <a:rPr lang="en-US"/>
               <a:t>Fifth level</a:t>
             </a:r>
-            <a:endParaRPr lang="en-US"/>
           </a:p>
         </p:txBody>
       </p:sp>
@@ -1177,7 +1172,7 @@
           <a:p>
             <a:fld id="{78C97017-6FC3-485B-9764-EAC9E56C1D49}" type="datetimeFigureOut">
               <a:rPr lang="en-US" smtClean="0"/>
-              <a:t>2/6/2017</a:t>
+              <a:t>7/22/2017</a:t>
             </a:fld>
             <a:endParaRPr lang="en-US"/>
           </a:p>
@@ -1280,10 +1275,9 @@
           </a:lstStyle>
           <a:p>
             <a:r>
-              <a:rPr lang="en-US" smtClean="0"/>
+              <a:rPr lang="en-US"/>
               <a:t>Click to edit Master title style</a:t>
             </a:r>
-            <a:endParaRPr lang="en-US"/>
           </a:p>
         </p:txBody>
       </p:sp>
@@ -1400,7 +1394,7 @@
           <a:p>
             <a:pPr lvl="0"/>
             <a:r>
-              <a:rPr lang="en-US" smtClean="0"/>
+              <a:rPr lang="en-US"/>
               <a:t>Click to edit Master text styles</a:t>
             </a:r>
           </a:p>
@@ -1423,7 +1417,7 @@
           <a:p>
             <a:fld id="{78C97017-6FC3-485B-9764-EAC9E56C1D49}" type="datetimeFigureOut">
               <a:rPr lang="en-US" smtClean="0"/>
-              <a:t>2/6/2017</a:t>
+              <a:t>7/22/2017</a:t>
             </a:fld>
             <a:endParaRPr lang="en-US"/>
           </a:p>
@@ -1517,10 +1511,9 @@
           <a:lstStyle/>
           <a:p>
             <a:r>
-              <a:rPr lang="en-US" smtClean="0"/>
+              <a:rPr lang="en-US"/>
               <a:t>Click to edit Master title style</a:t>
             </a:r>
-            <a:endParaRPr lang="en-US"/>
           </a:p>
         </p:txBody>
       </p:sp>
@@ -1574,38 +1567,37 @@
           <a:p>
             <a:pPr lvl="0"/>
             <a:r>
-              <a:rPr lang="en-US" smtClean="0"/>
+              <a:rPr lang="en-US"/>
               <a:t>Click to edit Master text styles</a:t>
             </a:r>
           </a:p>
           <a:p>
             <a:pPr lvl="1"/>
             <a:r>
-              <a:rPr lang="en-US" smtClean="0"/>
+              <a:rPr lang="en-US"/>
               <a:t>Second level</a:t>
             </a:r>
           </a:p>
           <a:p>
             <a:pPr lvl="2"/>
             <a:r>
-              <a:rPr lang="en-US" smtClean="0"/>
+              <a:rPr lang="en-US"/>
               <a:t>Third level</a:t>
             </a:r>
           </a:p>
           <a:p>
             <a:pPr lvl="3"/>
             <a:r>
-              <a:rPr lang="en-US" smtClean="0"/>
+              <a:rPr lang="en-US"/>
               <a:t>Fourth level</a:t>
             </a:r>
           </a:p>
           <a:p>
             <a:pPr lvl="4"/>
             <a:r>
-              <a:rPr lang="en-US" smtClean="0"/>
+              <a:rPr lang="en-US"/>
               <a:t>Fifth level</a:t>
             </a:r>
-            <a:endParaRPr lang="en-US"/>
           </a:p>
         </p:txBody>
       </p:sp>
@@ -1659,38 +1651,37 @@
           <a:p>
             <a:pPr lvl="0"/>
             <a:r>
-              <a:rPr lang="en-US" smtClean="0"/>
+              <a:rPr lang="en-US"/>
               <a:t>Click to edit Master text styles</a:t>
             </a:r>
           </a:p>
           <a:p>
             <a:pPr lvl="1"/>
             <a:r>
-              <a:rPr lang="en-US" smtClean="0"/>
+              <a:rPr lang="en-US"/>
               <a:t>Second level</a:t>
             </a:r>
           </a:p>
           <a:p>
             <a:pPr lvl="2"/>
             <a:r>
-              <a:rPr lang="en-US" smtClean="0"/>
+              <a:rPr lang="en-US"/>
               <a:t>Third level</a:t>
             </a:r>
           </a:p>
           <a:p>
             <a:pPr lvl="3"/>
             <a:r>
-              <a:rPr lang="en-US" smtClean="0"/>
+              <a:rPr lang="en-US"/>
               <a:t>Fourth level</a:t>
             </a:r>
           </a:p>
           <a:p>
             <a:pPr lvl="4"/>
             <a:r>
-              <a:rPr lang="en-US" smtClean="0"/>
+              <a:rPr lang="en-US"/>
               <a:t>Fifth level</a:t>
             </a:r>
-            <a:endParaRPr lang="en-US"/>
           </a:p>
         </p:txBody>
       </p:sp>
@@ -1711,7 +1702,7 @@
           <a:p>
             <a:fld id="{78C97017-6FC3-485B-9764-EAC9E56C1D49}" type="datetimeFigureOut">
               <a:rPr lang="en-US" smtClean="0"/>
-              <a:t>2/6/2017</a:t>
+              <a:t>7/22/2017</a:t>
             </a:fld>
             <a:endParaRPr lang="en-US"/>
           </a:p>
@@ -1809,10 +1800,9 @@
           </a:lstStyle>
           <a:p>
             <a:r>
-              <a:rPr lang="en-US" smtClean="0"/>
+              <a:rPr lang="en-US"/>
               <a:t>Click to edit Master title style</a:t>
             </a:r>
-            <a:endParaRPr lang="en-US"/>
           </a:p>
         </p:txBody>
       </p:sp>
@@ -1875,7 +1865,7 @@
           <a:p>
             <a:pPr lvl="0"/>
             <a:r>
-              <a:rPr lang="en-US" smtClean="0"/>
+              <a:rPr lang="en-US"/>
               <a:t>Click to edit Master text styles</a:t>
             </a:r>
           </a:p>
@@ -1931,38 +1921,37 @@
           <a:p>
             <a:pPr lvl="0"/>
             <a:r>
-              <a:rPr lang="en-US" smtClean="0"/>
+              <a:rPr lang="en-US"/>
               <a:t>Click to edit Master text styles</a:t>
             </a:r>
           </a:p>
           <a:p>
             <a:pPr lvl="1"/>
             <a:r>
-              <a:rPr lang="en-US" smtClean="0"/>
+              <a:rPr lang="en-US"/>
               <a:t>Second level</a:t>
             </a:r>
           </a:p>
           <a:p>
             <a:pPr lvl="2"/>
             <a:r>
-              <a:rPr lang="en-US" smtClean="0"/>
+              <a:rPr lang="en-US"/>
               <a:t>Third level</a:t>
             </a:r>
           </a:p>
           <a:p>
             <a:pPr lvl="3"/>
             <a:r>
-              <a:rPr lang="en-US" smtClean="0"/>
+              <a:rPr lang="en-US"/>
               <a:t>Fourth level</a:t>
             </a:r>
           </a:p>
           <a:p>
             <a:pPr lvl="4"/>
             <a:r>
-              <a:rPr lang="en-US" smtClean="0"/>
+              <a:rPr lang="en-US"/>
               <a:t>Fifth level</a:t>
             </a:r>
-            <a:endParaRPr lang="en-US"/>
           </a:p>
         </p:txBody>
       </p:sp>
@@ -2025,7 +2014,7 @@
           <a:p>
             <a:pPr lvl="0"/>
             <a:r>
-              <a:rPr lang="en-US" smtClean="0"/>
+              <a:rPr lang="en-US"/>
               <a:t>Click to edit Master text styles</a:t>
             </a:r>
           </a:p>
@@ -2081,38 +2070,37 @@
           <a:p>
             <a:pPr lvl="0"/>
             <a:r>
-              <a:rPr lang="en-US" smtClean="0"/>
+              <a:rPr lang="en-US"/>
               <a:t>Click to edit Master text styles</a:t>
             </a:r>
           </a:p>
           <a:p>
             <a:pPr lvl="1"/>
             <a:r>
-              <a:rPr lang="en-US" smtClean="0"/>
+              <a:rPr lang="en-US"/>
               <a:t>Second level</a:t>
             </a:r>
           </a:p>
           <a:p>
             <a:pPr lvl="2"/>
             <a:r>
-              <a:rPr lang="en-US" smtClean="0"/>
+              <a:rPr lang="en-US"/>
               <a:t>Third level</a:t>
             </a:r>
           </a:p>
           <a:p>
             <a:pPr lvl="3"/>
             <a:r>
-              <a:rPr lang="en-US" smtClean="0"/>
+              <a:rPr lang="en-US"/>
               <a:t>Fourth level</a:t>
             </a:r>
           </a:p>
           <a:p>
             <a:pPr lvl="4"/>
             <a:r>
-              <a:rPr lang="en-US" smtClean="0"/>
+              <a:rPr lang="en-US"/>
               <a:t>Fifth level</a:t>
             </a:r>
-            <a:endParaRPr lang="en-US"/>
           </a:p>
         </p:txBody>
       </p:sp>
@@ -2133,7 +2121,7 @@
           <a:p>
             <a:fld id="{78C97017-6FC3-485B-9764-EAC9E56C1D49}" type="datetimeFigureOut">
               <a:rPr lang="en-US" smtClean="0"/>
-              <a:t>2/6/2017</a:t>
+              <a:t>7/22/2017</a:t>
             </a:fld>
             <a:endParaRPr lang="en-US"/>
           </a:p>
@@ -2227,10 +2215,9 @@
           <a:lstStyle/>
           <a:p>
             <a:r>
-              <a:rPr lang="en-US" smtClean="0"/>
+              <a:rPr lang="en-US"/>
               <a:t>Click to edit Master title style</a:t>
             </a:r>
-            <a:endParaRPr lang="en-US"/>
           </a:p>
         </p:txBody>
       </p:sp>
@@ -2251,7 +2238,7 @@
           <a:p>
             <a:fld id="{78C97017-6FC3-485B-9764-EAC9E56C1D49}" type="datetimeFigureOut">
               <a:rPr lang="en-US" smtClean="0"/>
-              <a:t>2/6/2017</a:t>
+              <a:t>7/22/2017</a:t>
             </a:fld>
             <a:endParaRPr lang="en-US"/>
           </a:p>
@@ -2346,7 +2333,7 @@
           <a:p>
             <a:fld id="{78C97017-6FC3-485B-9764-EAC9E56C1D49}" type="datetimeFigureOut">
               <a:rPr lang="en-US" smtClean="0"/>
-              <a:t>2/6/2017</a:t>
+              <a:t>7/22/2017</a:t>
             </a:fld>
             <a:endParaRPr lang="en-US"/>
           </a:p>
@@ -2449,10 +2436,9 @@
           </a:lstStyle>
           <a:p>
             <a:r>
-              <a:rPr lang="en-US" smtClean="0"/>
+              <a:rPr lang="en-US"/>
               <a:t>Click to edit Master title style</a:t>
             </a:r>
-            <a:endParaRPr lang="en-US"/>
           </a:p>
         </p:txBody>
       </p:sp>
@@ -2506,38 +2492,37 @@
           <a:p>
             <a:pPr lvl="0"/>
             <a:r>
-              <a:rPr lang="en-US" smtClean="0"/>
+              <a:rPr lang="en-US"/>
               <a:t>Click to edit Master text styles</a:t>
             </a:r>
           </a:p>
           <a:p>
             <a:pPr lvl="1"/>
             <a:r>
-              <a:rPr lang="en-US" smtClean="0"/>
+              <a:rPr lang="en-US"/>
               <a:t>Second level</a:t>
             </a:r>
           </a:p>
           <a:p>
             <a:pPr lvl="2"/>
             <a:r>
-              <a:rPr lang="en-US" smtClean="0"/>
+              <a:rPr lang="en-US"/>
               <a:t>Third level</a:t>
             </a:r>
           </a:p>
           <a:p>
             <a:pPr lvl="3"/>
             <a:r>
-              <a:rPr lang="en-US" smtClean="0"/>
+              <a:rPr lang="en-US"/>
               <a:t>Fourth level</a:t>
             </a:r>
           </a:p>
           <a:p>
             <a:pPr lvl="4"/>
             <a:r>
-              <a:rPr lang="en-US" smtClean="0"/>
+              <a:rPr lang="en-US"/>
               <a:t>Fifth level</a:t>
             </a:r>
-            <a:endParaRPr lang="en-US"/>
           </a:p>
         </p:txBody>
       </p:sp>
@@ -2600,7 +2585,7 @@
           <a:p>
             <a:pPr lvl="0"/>
             <a:r>
-              <a:rPr lang="en-US" smtClean="0"/>
+              <a:rPr lang="en-US"/>
               <a:t>Click to edit Master text styles</a:t>
             </a:r>
           </a:p>
@@ -2623,7 +2608,7 @@
           <a:p>
             <a:fld id="{78C97017-6FC3-485B-9764-EAC9E56C1D49}" type="datetimeFigureOut">
               <a:rPr lang="en-US" smtClean="0"/>
-              <a:t>2/6/2017</a:t>
+              <a:t>7/22/2017</a:t>
             </a:fld>
             <a:endParaRPr lang="en-US"/>
           </a:p>
@@ -2726,10 +2711,9 @@
           </a:lstStyle>
           <a:p>
             <a:r>
-              <a:rPr lang="en-US" smtClean="0"/>
+              <a:rPr lang="en-US"/>
               <a:t>Click to edit Master title style</a:t>
             </a:r>
-            <a:endParaRPr lang="en-US"/>
           </a:p>
         </p:txBody>
       </p:sp>
@@ -2853,7 +2837,7 @@
           <a:p>
             <a:pPr lvl="0"/>
             <a:r>
-              <a:rPr lang="en-US" smtClean="0"/>
+              <a:rPr lang="en-US"/>
               <a:t>Click to edit Master text styles</a:t>
             </a:r>
           </a:p>
@@ -2876,7 +2860,7 @@
           <a:p>
             <a:fld id="{78C97017-6FC3-485B-9764-EAC9E56C1D49}" type="datetimeFigureOut">
               <a:rPr lang="en-US" smtClean="0"/>
-              <a:t>2/6/2017</a:t>
+              <a:t>7/22/2017</a:t>
             </a:fld>
             <a:endParaRPr lang="en-US"/>
           </a:p>
@@ -2985,10 +2969,9 @@
           <a:lstStyle/>
           <a:p>
             <a:r>
-              <a:rPr lang="en-US" smtClean="0"/>
+              <a:rPr lang="en-US"/>
               <a:t>Click to edit Master title style</a:t>
             </a:r>
-            <a:endParaRPr lang="en-US"/>
           </a:p>
         </p:txBody>
       </p:sp>
@@ -3019,38 +3002,37 @@
           <a:p>
             <a:pPr lvl="0"/>
             <a:r>
-              <a:rPr lang="en-US" smtClean="0"/>
+              <a:rPr lang="en-US"/>
               <a:t>Click to edit Master text styles</a:t>
             </a:r>
           </a:p>
           <a:p>
             <a:pPr lvl="1"/>
             <a:r>
-              <a:rPr lang="en-US" smtClean="0"/>
+              <a:rPr lang="en-US"/>
               <a:t>Second level</a:t>
             </a:r>
           </a:p>
           <a:p>
             <a:pPr lvl="2"/>
             <a:r>
-              <a:rPr lang="en-US" smtClean="0"/>
+              <a:rPr lang="en-US"/>
               <a:t>Third level</a:t>
             </a:r>
           </a:p>
           <a:p>
             <a:pPr lvl="3"/>
             <a:r>
-              <a:rPr lang="en-US" smtClean="0"/>
+              <a:rPr lang="en-US"/>
               <a:t>Fourth level</a:t>
             </a:r>
           </a:p>
           <a:p>
             <a:pPr lvl="4"/>
             <a:r>
-              <a:rPr lang="en-US" smtClean="0"/>
+              <a:rPr lang="en-US"/>
               <a:t>Fifth level</a:t>
             </a:r>
-            <a:endParaRPr lang="en-US"/>
           </a:p>
         </p:txBody>
       </p:sp>
@@ -3089,7 +3071,7 @@
           <a:p>
             <a:fld id="{78C97017-6FC3-485B-9764-EAC9E56C1D49}" type="datetimeFigureOut">
               <a:rPr lang="en-US" smtClean="0"/>
-              <a:t>2/6/2017</a:t>
+              <a:t>7/22/2017</a:t>
             </a:fld>
             <a:endParaRPr lang="en-US"/>
           </a:p>
@@ -3510,7 +3492,7 @@
           <a:lstStyle/>
           <a:p>
             <a:r>
-              <a:rPr lang="en-US" sz="1200" b="1" dirty="0" smtClean="0">
+              <a:rPr lang="en-US" sz="1200" b="1" dirty="0">
                 <a:solidFill>
                   <a:srgbClr val="0070C0"/>
                 </a:solidFill>
@@ -3720,7 +3702,7 @@
           <a:p>
             <a:pPr algn="ctr"/>
             <a:r>
-              <a:rPr lang="en-US" sz="1600" dirty="0" smtClean="0">
+              <a:rPr lang="en-US" sz="1600" dirty="0">
                 <a:solidFill>
                   <a:schemeClr val="bg1"/>
                 </a:solidFill>
@@ -3832,7 +3814,7 @@
         <p:spPr>
           <a:xfrm>
             <a:off x="6221565" y="3312740"/>
-            <a:ext cx="1093635" cy="461538"/>
+            <a:ext cx="1349182" cy="461538"/>
           </a:xfrm>
           <a:prstGeom prst="rect">
             <a:avLst/>
@@ -3867,20 +3849,12 @@
           <a:p>
             <a:pPr algn="ctr"/>
             <a:r>
-              <a:rPr lang="en-US" sz="1600" dirty="0" smtClean="0">
-                <a:solidFill>
-                  <a:schemeClr val="bg1"/>
-                </a:solidFill>
-              </a:rPr>
-              <a:t>d:Delete</a:t>
-            </a:r>
-            <a:r>
               <a:rPr lang="en-US" sz="1600" dirty="0">
                 <a:solidFill>
                   <a:schemeClr val="bg1"/>
                 </a:solidFill>
               </a:rPr>
-              <a:t/>
+              <a:t>d:DeleteFind</a:t>
             </a:r>
             <a:br>
               <a:rPr lang="en-US" sz="1600" dirty="0">
@@ -4071,8 +4045,8 @@
         </p:nvSpPr>
         <p:spPr>
           <a:xfrm>
-            <a:off x="0" y="2743200"/>
-            <a:ext cx="1424846" cy="215444"/>
+            <a:off x="25046" y="2599314"/>
+            <a:ext cx="1424846" cy="430887"/>
           </a:xfrm>
           <a:prstGeom prst="rect">
             <a:avLst/>
@@ -4087,18 +4061,29 @@
           <a:p>
             <a:pPr algn="r"/>
             <a:r>
-              <a:rPr lang="en-US" sz="1400" dirty="0" smtClean="0">
+              <a:rPr lang="en-US" sz="1400" dirty="0">
                 <a:solidFill>
                   <a:srgbClr val="0070C0"/>
                 </a:solidFill>
               </a:rPr>
-              <a:t>execute(“delete 1”)</a:t>
-            </a:r>
-            <a:endParaRPr lang="en-US" sz="1400" dirty="0">
-              <a:solidFill>
-                <a:srgbClr val="0070C0"/>
-              </a:solidFill>
-            </a:endParaRPr>
+              <a:t>execute(“delete </a:t>
+            </a:r>
+            <a:r>
+              <a:rPr lang="en-US" altLang="zh-CN" sz="1400" dirty="0">
+                <a:solidFill>
+                  <a:srgbClr val="0070C0"/>
+                </a:solidFill>
+              </a:rPr>
+              <a:t>task name</a:t>
+            </a:r>
+            <a:r>
+              <a:rPr lang="en-US" sz="1400" dirty="0">
+                <a:solidFill>
+                  <a:srgbClr val="0070C0"/>
+                </a:solidFill>
+              </a:rPr>
+              <a:t>”)</a:t>
+            </a:r>
           </a:p>
         </p:txBody>
       </p:sp>
@@ -4686,26 +4671,21 @@
           </a:lstStyle>
           <a:p>
             <a:r>
-              <a:rPr lang="en-US" dirty="0" err="1" smtClean="0">
+              <a:rPr lang="en-US" dirty="0" err="1">
                 <a:solidFill>
                   <a:srgbClr val="7030A0"/>
                 </a:solidFill>
               </a:rPr>
-              <a:t>deletePerson</a:t>
-            </a:r>
-            <a:r>
-              <a:rPr lang="en-US" dirty="0" smtClean="0">
+              <a:t>deleteTask</a:t>
+            </a:r>
+            <a:r>
+              <a:rPr lang="en-US" dirty="0">
                 <a:solidFill>
                   <a:srgbClr val="7030A0"/>
                 </a:solidFill>
               </a:rPr>
-              <a:t>(p)</a:t>
-            </a:r>
-            <a:endParaRPr lang="en-US" dirty="0">
-              <a:solidFill>
-                <a:srgbClr val="7030A0"/>
-              </a:solidFill>
-            </a:endParaRPr>
+              <a:t>(t)</a:t>
+            </a:r>
           </a:p>
         </p:txBody>
       </p:sp>
@@ -4717,8 +4697,8 @@
         </p:nvSpPr>
         <p:spPr>
           <a:xfrm>
-            <a:off x="3847551" y="3657600"/>
-            <a:ext cx="767033" cy="184666"/>
+            <a:off x="3563596" y="3638075"/>
+            <a:ext cx="1367712" cy="184666"/>
           </a:xfrm>
           <a:prstGeom prst="rect">
             <a:avLst/>
@@ -4744,13 +4724,8 @@
           <a:p>
             <a:r>
               <a:rPr lang="en-US" sz="1200" dirty="0"/>
-              <a:t>p</a:t>
-            </a:r>
-            <a:r>
-              <a:rPr lang="en-US" sz="1200" dirty="0" smtClean="0"/>
-              <a:t>arse(“1”)</a:t>
-            </a:r>
-            <a:endParaRPr lang="en-US" sz="1200" dirty="0"/>
+              <a:t>parse(“task name”)</a:t>
+            </a:r>
           </a:p>
         </p:txBody>
       </p:sp>
@@ -4762,8 +4737,8 @@
         </p:nvSpPr>
         <p:spPr>
           <a:xfrm>
-            <a:off x="1742982" y="2850922"/>
-            <a:ext cx="1424846" cy="215444"/>
+            <a:off x="1755879" y="2714395"/>
+            <a:ext cx="1424846" cy="430887"/>
           </a:xfrm>
           <a:prstGeom prst="rect">
             <a:avLst/>
@@ -4788,10 +4763,9 @@
           </a:lstStyle>
           <a:p>
             <a:r>
-              <a:rPr lang="en-US" dirty="0" smtClean="0"/>
-              <a:t>parse(“delete 1”)</a:t>
-            </a:r>
-            <a:endParaRPr lang="en-US" dirty="0"/>
+              <a:rPr lang="en-US" dirty="0"/>
+              <a:t>parse(“delete task name”)</a:t>
+            </a:r>
           </a:p>
         </p:txBody>
       </p:sp>
@@ -4829,10 +4803,9 @@
           </a:lstStyle>
           <a:p>
             <a:r>
-              <a:rPr lang="en-US" dirty="0" smtClean="0"/>
+              <a:rPr lang="en-US" dirty="0"/>
               <a:t>result</a:t>
             </a:r>
-            <a:endParaRPr lang="en-US" dirty="0"/>
           </a:p>
         </p:txBody>
       </p:sp>
@@ -4870,10 +4843,9 @@
           </a:lstStyle>
           <a:p>
             <a:r>
-              <a:rPr lang="en-US" dirty="0" smtClean="0"/>
+              <a:rPr lang="en-US" dirty="0"/>
               <a:t>result</a:t>
             </a:r>
-            <a:endParaRPr lang="en-US" dirty="0"/>
           </a:p>
         </p:txBody>
       </p:sp>
@@ -4921,7 +4893,7 @@
           <a:p>
             <a:pPr algn="ctr"/>
             <a:r>
-              <a:rPr lang="en-US" sz="1600" dirty="0" err="1" smtClean="0">
+              <a:rPr lang="en-US" sz="1600" dirty="0" err="1">
                 <a:solidFill>
                   <a:schemeClr val="bg1"/>
                 </a:solidFill>
@@ -4929,7 +4901,7 @@
               <a:t>result:Command</a:t>
             </a:r>
             <a:r>
-              <a:rPr lang="en-US" sz="1600" dirty="0" smtClean="0">
+              <a:rPr lang="en-US" sz="1600" dirty="0">
                 <a:solidFill>
                   <a:schemeClr val="bg1"/>
                 </a:solidFill>
@@ -5063,10 +5035,9 @@
           </a:lstStyle>
           <a:p>
             <a:r>
-              <a:rPr lang="en-US" dirty="0" smtClean="0"/>
+              <a:rPr lang="en-US" dirty="0"/>
               <a:t>d</a:t>
             </a:r>
-            <a:endParaRPr lang="en-US" dirty="0"/>
           </a:p>
         </p:txBody>
       </p:sp>
@@ -5114,7 +5085,7 @@
           <a:p>
             <a:pPr algn="ctr"/>
             <a:r>
-              <a:rPr lang="en-US" sz="1600" dirty="0" smtClean="0">
+              <a:rPr lang="en-US" sz="1600" dirty="0">
                 <a:solidFill>
                   <a:schemeClr val="bg1"/>
                 </a:solidFill>
@@ -5122,14 +5093,14 @@
               <a:t>:</a:t>
             </a:r>
             <a:r>
-              <a:rPr lang="en-US" sz="1600" dirty="0" err="1" smtClean="0">
+              <a:rPr lang="en-US" sz="1600" dirty="0" err="1">
                 <a:solidFill>
                   <a:schemeClr val="bg1"/>
                 </a:solidFill>
               </a:rPr>
               <a:t>DeleteCommand</a:t>
             </a:r>
-            <a:endParaRPr lang="en-US" sz="1600" dirty="0" smtClean="0">
+            <a:endParaRPr lang="en-US" sz="1600" dirty="0">
               <a:solidFill>
                 <a:schemeClr val="bg1"/>
               </a:solidFill>
@@ -5138,7 +5109,7 @@
           <a:p>
             <a:pPr algn="ctr"/>
             <a:r>
-              <a:rPr lang="en-US" sz="1600" dirty="0" smtClean="0">
+              <a:rPr lang="en-US" sz="1600" dirty="0">
                 <a:solidFill>
                   <a:schemeClr val="bg1"/>
                 </a:solidFill>
@@ -5489,18 +5460,13 @@
           <a:lstStyle/>
           <a:p>
             <a:r>
-              <a:rPr lang="en-SG" sz="1100" dirty="0" smtClean="0">
+              <a:rPr lang="en-SG" sz="1100" dirty="0">
                 <a:solidFill>
                   <a:srgbClr val="002060"/>
                 </a:solidFill>
               </a:rPr>
               <a:t>X</a:t>
             </a:r>
-            <a:endParaRPr lang="en-SG" sz="1100" dirty="0">
-              <a:solidFill>
-                <a:srgbClr val="002060"/>
-              </a:solidFill>
-            </a:endParaRPr>
           </a:p>
         </p:txBody>
       </p:sp>
